--- a/IXIS_Assessment.pptx
+++ b/IXIS_Assessment.pptx
@@ -128,6 +128,30 @@
 
 <file path=ppt/changesInfos/changesInfo1.xml><?xml version="1.0" encoding="utf-8"?>
 <pc:chgInfo xmlns:a="http://schemas.openxmlformats.org/drawingml/2006/main" xmlns:r="http://schemas.openxmlformats.org/officeDocument/2006/relationships" xmlns:ac="http://schemas.microsoft.com/office/drawing/2013/main/command" xmlns:pc="http://schemas.microsoft.com/office/powerpoint/2013/main/command">
+  <pc:docChgLst>
+    <pc:chgData name="Charlie Gallagher" userId="bc8331725d9f2891" providerId="LiveId" clId="{FE974215-9AB3-4A14-92A7-108B33042B3E}"/>
+    <pc:docChg chg="modSld">
+      <pc:chgData name="Charlie Gallagher" userId="bc8331725d9f2891" providerId="LiveId" clId="{FE974215-9AB3-4A14-92A7-108B33042B3E}" dt="2021-02-22T18:14:16.851" v="21" actId="20577"/>
+      <pc:docMkLst>
+        <pc:docMk/>
+      </pc:docMkLst>
+      <pc:sldChg chg="modSp mod">
+        <pc:chgData name="Charlie Gallagher" userId="bc8331725d9f2891" providerId="LiveId" clId="{FE974215-9AB3-4A14-92A7-108B33042B3E}" dt="2021-02-22T18:14:16.851" v="21" actId="20577"/>
+        <pc:sldMkLst>
+          <pc:docMk/>
+          <pc:sldMk cId="2972144394" sldId="259"/>
+        </pc:sldMkLst>
+        <pc:spChg chg="mod">
+          <ac:chgData name="Charlie Gallagher" userId="bc8331725d9f2891" providerId="LiveId" clId="{FE974215-9AB3-4A14-92A7-108B33042B3E}" dt="2021-02-22T18:14:16.851" v="21" actId="20577"/>
+          <ac:spMkLst>
+            <pc:docMk/>
+            <pc:sldMk cId="2972144394" sldId="259"/>
+            <ac:spMk id="4" creationId="{5297AC7F-E6C6-4F42-9D35-D325F59651FB}"/>
+          </ac:spMkLst>
+        </pc:spChg>
+      </pc:sldChg>
+    </pc:docChg>
+  </pc:docChgLst>
   <pc:docChgLst>
     <pc:chgData name="Charlie Gallagher" userId="bc8331725d9f2891" providerId="LiveId" clId="{87B46FAE-01B9-4010-BBC8-3598C1E734C5}"/>
     <pc:docChg chg="undo custSel addSld modSld">
@@ -4106,7 +4130,7 @@
             </a:pPr>
             <a:r>
               <a:rPr lang="en-US" dirty="0"/>
-              <a:t>App-based ad targeting should be reduced in favor of standard browser targeting. </a:t>
+              <a:t>Ads targeting apps should be reduced in favor of standard browser targeting. </a:t>
             </a:r>
           </a:p>
         </p:txBody>
